--- a/이젠잊기로해요/이젠잊기로해요.pptx
+++ b/이젠잊기로해요/이젠잊기로해요.pptx
@@ -106,6 +106,11 @@
       </a:defRPr>
     </a:lvl9pPr>
   </p:defaultTextStyle>
+  <p:extLst>
+    <p:ext uri="{EFAFB233-063F-42B5-8137-9DF3F51BA10A}">
+      <p15:sldGuideLst xmlns:p15="http://schemas.microsoft.com/office/powerpoint/2012/main"/>
+    </p:ext>
+  </p:extLst>
 </p:presentation>
 </file>
 
@@ -256,7 +261,7 @@
           <a:p>
             <a:fld id="{A205A630-E2ED-42E1-A4CD-E9218967EC95}" type="datetimeFigureOut">
               <a:rPr lang="ko-KR" altLang="en-US" smtClean="0"/>
-              <a:t>2024-07-23</a:t>
+              <a:t>2024-07-24</a:t>
             </a:fld>
             <a:endParaRPr lang="ko-KR" altLang="en-US"/>
           </a:p>
@@ -454,7 +459,7 @@
           <a:p>
             <a:fld id="{A205A630-E2ED-42E1-A4CD-E9218967EC95}" type="datetimeFigureOut">
               <a:rPr lang="ko-KR" altLang="en-US" smtClean="0"/>
-              <a:t>2024-07-23</a:t>
+              <a:t>2024-07-24</a:t>
             </a:fld>
             <a:endParaRPr lang="ko-KR" altLang="en-US"/>
           </a:p>
@@ -662,7 +667,7 @@
           <a:p>
             <a:fld id="{A205A630-E2ED-42E1-A4CD-E9218967EC95}" type="datetimeFigureOut">
               <a:rPr lang="ko-KR" altLang="en-US" smtClean="0"/>
-              <a:t>2024-07-23</a:t>
+              <a:t>2024-07-24</a:t>
             </a:fld>
             <a:endParaRPr lang="ko-KR" altLang="en-US"/>
           </a:p>
@@ -860,7 +865,7 @@
           <a:p>
             <a:fld id="{A205A630-E2ED-42E1-A4CD-E9218967EC95}" type="datetimeFigureOut">
               <a:rPr lang="ko-KR" altLang="en-US" smtClean="0"/>
-              <a:t>2024-07-23</a:t>
+              <a:t>2024-07-24</a:t>
             </a:fld>
             <a:endParaRPr lang="ko-KR" altLang="en-US"/>
           </a:p>
@@ -1135,7 +1140,7 @@
           <a:p>
             <a:fld id="{A205A630-E2ED-42E1-A4CD-E9218967EC95}" type="datetimeFigureOut">
               <a:rPr lang="ko-KR" altLang="en-US" smtClean="0"/>
-              <a:t>2024-07-23</a:t>
+              <a:t>2024-07-24</a:t>
             </a:fld>
             <a:endParaRPr lang="ko-KR" altLang="en-US"/>
           </a:p>
@@ -1400,7 +1405,7 @@
           <a:p>
             <a:fld id="{A205A630-E2ED-42E1-A4CD-E9218967EC95}" type="datetimeFigureOut">
               <a:rPr lang="ko-KR" altLang="en-US" smtClean="0"/>
-              <a:t>2024-07-23</a:t>
+              <a:t>2024-07-24</a:t>
             </a:fld>
             <a:endParaRPr lang="ko-KR" altLang="en-US"/>
           </a:p>
@@ -1812,7 +1817,7 @@
           <a:p>
             <a:fld id="{A205A630-E2ED-42E1-A4CD-E9218967EC95}" type="datetimeFigureOut">
               <a:rPr lang="ko-KR" altLang="en-US" smtClean="0"/>
-              <a:t>2024-07-23</a:t>
+              <a:t>2024-07-24</a:t>
             </a:fld>
             <a:endParaRPr lang="ko-KR" altLang="en-US"/>
           </a:p>
@@ -1953,7 +1958,7 @@
           <a:p>
             <a:fld id="{A205A630-E2ED-42E1-A4CD-E9218967EC95}" type="datetimeFigureOut">
               <a:rPr lang="ko-KR" altLang="en-US" smtClean="0"/>
-              <a:t>2024-07-23</a:t>
+              <a:t>2024-07-24</a:t>
             </a:fld>
             <a:endParaRPr lang="ko-KR" altLang="en-US"/>
           </a:p>
@@ -2066,7 +2071,7 @@
           <a:p>
             <a:fld id="{A205A630-E2ED-42E1-A4CD-E9218967EC95}" type="datetimeFigureOut">
               <a:rPr lang="ko-KR" altLang="en-US" smtClean="0"/>
-              <a:t>2024-07-23</a:t>
+              <a:t>2024-07-24</a:t>
             </a:fld>
             <a:endParaRPr lang="ko-KR" altLang="en-US"/>
           </a:p>
@@ -2377,7 +2382,7 @@
           <a:p>
             <a:fld id="{A205A630-E2ED-42E1-A4CD-E9218967EC95}" type="datetimeFigureOut">
               <a:rPr lang="ko-KR" altLang="en-US" smtClean="0"/>
-              <a:t>2024-07-23</a:t>
+              <a:t>2024-07-24</a:t>
             </a:fld>
             <a:endParaRPr lang="ko-KR" altLang="en-US"/>
           </a:p>
@@ -2665,7 +2670,7 @@
           <a:p>
             <a:fld id="{A205A630-E2ED-42E1-A4CD-E9218967EC95}" type="datetimeFigureOut">
               <a:rPr lang="ko-KR" altLang="en-US" smtClean="0"/>
-              <a:t>2024-07-23</a:t>
+              <a:t>2024-07-24</a:t>
             </a:fld>
             <a:endParaRPr lang="ko-KR" altLang="en-US"/>
           </a:p>
@@ -2906,7 +2911,7 @@
           <a:p>
             <a:fld id="{A205A630-E2ED-42E1-A4CD-E9218967EC95}" type="datetimeFigureOut">
               <a:rPr lang="ko-KR" altLang="en-US" smtClean="0"/>
-              <a:t>2024-07-23</a:t>
+              <a:t>2024-07-24</a:t>
             </a:fld>
             <a:endParaRPr lang="ko-KR" altLang="en-US"/>
           </a:p>
@@ -3762,10 +3767,10 @@
       </p:pic>
       <p:pic>
         <p:nvPicPr>
-          <p:cNvPr id="6" name="그림 5" descr="텍스트, 친필, 도표, 타이포그래피이(가) 표시된 사진&#10;&#10;자동 생성된 설명">
-            <a:extLst>
-              <a:ext uri="{FF2B5EF4-FFF2-40B4-BE49-F238E27FC236}">
-                <a16:creationId xmlns:a16="http://schemas.microsoft.com/office/drawing/2014/main" id="{308B83D9-FA6C-ADA8-B4FA-1AA2386CE938}"/>
+          <p:cNvPr id="8" name="그림 7">
+            <a:extLst>
+              <a:ext uri="{FF2B5EF4-FFF2-40B4-BE49-F238E27FC236}">
+                <a16:creationId xmlns:a16="http://schemas.microsoft.com/office/drawing/2014/main" id="{1D9F8050-8895-29A2-FE56-73E60530BE44}"/>
               </a:ext>
             </a:extLst>
           </p:cNvPr>
@@ -3789,13 +3794,13 @@
               </a:ext>
             </a:extLst>
           </a:blip>
-          <a:srcRect b="87310"/>
+          <a:srcRect t="415" b="85408"/>
           <a:stretch/>
         </p:blipFill>
         <p:spPr>
           <a:xfrm>
             <a:off x="0" y="2403230"/>
-            <a:ext cx="6858000" cy="978877"/>
+            <a:ext cx="6858000" cy="1090247"/>
           </a:xfrm>
           <a:prstGeom prst="rect">
             <a:avLst/>
